--- a/docs_workspace/docs_sphinx/assets/misc/laygo2_cheatsheet.pptx
+++ b/docs_workspace/docs_sphinx/assets/misc/laygo2_cheatsheet.pptx
@@ -104,6 +104,11 @@
       </a:defRPr>
     </a:lvl9pPr>
   </p:defaultTextStyle>
+  <p:extLst>
+    <p:ext uri="{EFAFB233-063F-42B5-8137-9DF3F51BA10A}">
+      <p15:sldGuideLst xmlns:p15="http://schemas.microsoft.com/office/powerpoint/2012/main"/>
+    </p:ext>
+  </p:extLst>
 </p:presentation>
 </file>
 
@@ -3085,30 +3090,16 @@
                 <a:ea typeface="Calibri" panose="020F0502020204030204" pitchFamily="34" charset="0"/>
                 <a:cs typeface="Calibri" panose="020F0502020204030204" pitchFamily="34" charset="0"/>
               </a:rPr>
-              <a:t>Use the following import convention: </a:t>
-            </a:r>
-          </a:p>
-          <a:p>
-            <a:r>
-              <a:rPr lang="en-US" altLang="ko-KR" sz="1000" dirty="0">
-                <a:latin typeface="Courier New" panose="02070309020205020404" pitchFamily="49" charset="0"/>
-                <a:cs typeface="Courier New" panose="02070309020205020404" pitchFamily="49" charset="0"/>
-              </a:rPr>
-              <a:t>&gt;&gt;&gt; import </a:t>
-            </a:r>
-            <a:r>
-              <a:rPr lang="en-US" altLang="ko-KR" sz="1000" dirty="0" err="1">
-                <a:latin typeface="Courier New" panose="02070309020205020404" pitchFamily="49" charset="0"/>
-                <a:cs typeface="Courier New" panose="02070309020205020404" pitchFamily="49" charset="0"/>
-              </a:rPr>
-              <a:t>numpy</a:t>
-            </a:r>
-            <a:r>
-              <a:rPr lang="en-US" altLang="ko-KR" sz="1000" dirty="0">
-                <a:latin typeface="Courier New" panose="02070309020205020404" pitchFamily="49" charset="0"/>
-                <a:cs typeface="Courier New" panose="02070309020205020404" pitchFamily="49" charset="0"/>
-              </a:rPr>
-              <a:t> as np</a:t>
+              <a:t>Use the following import command: </a:t>
+            </a:r>
+          </a:p>
+          <a:p>
+            <a:r>
+              <a:rPr lang="en-US" altLang="ko-KR" sz="1000" dirty="0">
+                <a:latin typeface="Courier New" panose="02070309020205020404" pitchFamily="49" charset="0"/>
+                <a:cs typeface="Courier New" panose="02070309020205020404" pitchFamily="49" charset="0"/>
+              </a:rPr>
+              <a:t>&gt;&gt;&gt; import laygo2</a:t>
             </a:r>
           </a:p>
           <a:p>
@@ -3134,7 +3125,7 @@
                 <a:latin typeface="Courier New" panose="02070309020205020404" pitchFamily="49" charset="0"/>
                 <a:cs typeface="Courier New" panose="02070309020205020404" pitchFamily="49" charset="0"/>
               </a:rPr>
-              <a:t>l = laygo2.Library(name=“</a:t>
+              <a:t>&gt;&gt;&gt; l = laygo2.Library(name=“</a:t>
             </a:r>
             <a:r>
               <a:rPr lang="en-US" altLang="ko-KR" sz="1000" dirty="0" err="1">
@@ -3167,7 +3158,7 @@
                 <a:latin typeface="Courier New" panose="02070309020205020404" pitchFamily="49" charset="0"/>
                 <a:cs typeface="Courier New" panose="02070309020205020404" pitchFamily="49" charset="0"/>
               </a:rPr>
-              <a:t>d = laygo2.Design(name=“</a:t>
+              <a:t>&gt;&gt;&gt; d = laygo2.Design(name=“</a:t>
             </a:r>
             <a:r>
               <a:rPr lang="en-US" altLang="ko-KR" sz="1000" dirty="0" err="1">
@@ -3217,7 +3208,7 @@
                 <a:latin typeface="Courier New" panose="02070309020205020404" pitchFamily="49" charset="0"/>
                 <a:cs typeface="Courier New" panose="02070309020205020404" pitchFamily="49" charset="0"/>
               </a:rPr>
-              <a:t>r = laygo2.Rect(</a:t>
+              <a:t>&gt;&gt;&gt; r = laygo2.Rect(</a:t>
             </a:r>
             <a:r>
               <a:rPr lang="en-US" altLang="ko-KR" sz="1000" dirty="0" err="1">
@@ -3240,7 +3231,7 @@
                 <a:latin typeface="Courier New" panose="02070309020205020404" pitchFamily="49" charset="0"/>
                 <a:cs typeface="Courier New" panose="02070309020205020404" pitchFamily="49" charset="0"/>
               </a:rPr>
-              <a:t>t = laygo2.Text(</a:t>
+              <a:t>&gt;&gt;&gt; t = laygo2.Text(</a:t>
             </a:r>
             <a:r>
               <a:rPr lang="en-US" altLang="ko-KR" sz="1000" dirty="0" err="1">
@@ -3263,7 +3254,7 @@
                 <a:latin typeface="Courier New" panose="02070309020205020404" pitchFamily="49" charset="0"/>
                 <a:cs typeface="Courier New" panose="02070309020205020404" pitchFamily="49" charset="0"/>
               </a:rPr>
-              <a:t>p = laygo2.Pin(</a:t>
+              <a:t>&gt;&gt;&gt; p = laygo2.Pin(</a:t>
             </a:r>
             <a:r>
               <a:rPr lang="en-US" altLang="ko-KR" sz="1000" dirty="0" err="1">
@@ -3296,6 +3287,13 @@
           </a:p>
           <a:p>
             <a:r>
+              <a:rPr lang="en-US" altLang="ko-KR" sz="1000" dirty="0">
+                <a:latin typeface="Courier New" panose="02070309020205020404" pitchFamily="49" charset="0"/>
+                <a:cs typeface="Courier New" panose="02070309020205020404" pitchFamily="49" charset="0"/>
+              </a:rPr>
+              <a:t>&gt;&gt;&gt; </a:t>
+            </a:r>
+            <a:r>
               <a:rPr lang="en-US" altLang="ko-KR" sz="1000" dirty="0" err="1">
                 <a:latin typeface="Courier New" panose="02070309020205020404" pitchFamily="49" charset="0"/>
                 <a:cs typeface="Courier New" panose="02070309020205020404" pitchFamily="49" charset="0"/>
@@ -3381,6 +3379,13 @@
             </a:r>
           </a:p>
           <a:p>
+            <a:r>
+              <a:rPr lang="en-US" altLang="ko-KR" sz="1000" dirty="0">
+                <a:latin typeface="Courier New" panose="02070309020205020404" pitchFamily="49" charset="0"/>
+                <a:cs typeface="Courier New" panose="02070309020205020404" pitchFamily="49" charset="0"/>
+              </a:rPr>
+              <a:t>&gt;&gt;&gt; </a:t>
+            </a:r>
             <a:r>
               <a:rPr lang="en-US" altLang="ko-KR" sz="1000" dirty="0" err="1">
                 <a:latin typeface="Courier New" panose="02070309020205020404" pitchFamily="49" charset="0"/>
@@ -3433,16 +3438,16 @@
                 <a:latin typeface="Courier New" panose="02070309020205020404" pitchFamily="49" charset="0"/>
                 <a:cs typeface="Courier New" panose="02070309020205020404" pitchFamily="49" charset="0"/>
               </a:rPr>
-              <a:t>import laygo2_tech as tech</a:t>
-            </a:r>
-          </a:p>
-          <a:p>
-            <a:r>
-              <a:rPr lang="en-US" altLang="ko-KR" sz="1000" dirty="0">
-                <a:latin typeface="Courier New" panose="02070309020205020404" pitchFamily="49" charset="0"/>
-                <a:cs typeface="Courier New" panose="02070309020205020404" pitchFamily="49" charset="0"/>
-              </a:rPr>
-              <a:t>templates = </a:t>
+              <a:t>&gt;&gt;&gt; import laygo2_tech as tech</a:t>
+            </a:r>
+          </a:p>
+          <a:p>
+            <a:r>
+              <a:rPr lang="en-US" altLang="ko-KR" sz="1000" dirty="0">
+                <a:latin typeface="Courier New" panose="02070309020205020404" pitchFamily="49" charset="0"/>
+                <a:cs typeface="Courier New" panose="02070309020205020404" pitchFamily="49" charset="0"/>
+              </a:rPr>
+              <a:t>&gt;&gt;&gt; templates = </a:t>
             </a:r>
             <a:r>
               <a:rPr lang="en-US" altLang="ko-KR" sz="1000" dirty="0" err="1">
@@ -3479,7 +3484,7 @@
                 <a:latin typeface="Courier New" panose="02070309020205020404" pitchFamily="49" charset="0"/>
                 <a:cs typeface="Courier New" panose="02070309020205020404" pitchFamily="49" charset="0"/>
               </a:rPr>
-              <a:t>grids = </a:t>
+              <a:t>&gt;&gt;&gt; grids = </a:t>
             </a:r>
             <a:r>
               <a:rPr lang="en-US" altLang="ko-KR" sz="1000" dirty="0" err="1">
@@ -3512,6 +3517,13 @@
           </a:p>
           <a:p>
             <a:r>
+              <a:rPr lang="en-US" altLang="ko-KR" sz="1000" dirty="0">
+                <a:latin typeface="Courier New" panose="02070309020205020404" pitchFamily="49" charset="0"/>
+                <a:cs typeface="Courier New" panose="02070309020205020404" pitchFamily="49" charset="0"/>
+              </a:rPr>
+              <a:t>&gt;&gt;&gt; </a:t>
+            </a:r>
+            <a:r>
               <a:rPr lang="en-US" altLang="ko-KR" sz="1000" dirty="0" err="1">
                 <a:latin typeface="Courier New" panose="02070309020205020404" pitchFamily="49" charset="0"/>
                 <a:cs typeface="Courier New" panose="02070309020205020404" pitchFamily="49" charset="0"/>
@@ -3546,7 +3558,7 @@
                 <a:latin typeface="Courier New" panose="02070309020205020404" pitchFamily="49" charset="0"/>
                 <a:cs typeface="Courier New" panose="02070309020205020404" pitchFamily="49" charset="0"/>
               </a:rPr>
-              <a:t>i1 = </a:t>
+              <a:t>&gt;&gt;&gt; i1 = </a:t>
             </a:r>
             <a:r>
               <a:rPr lang="en-US" altLang="ko-KR" sz="1000" dirty="0" err="1">
@@ -3575,6 +3587,13 @@
           </a:p>
           <a:p>
             <a:r>
+              <a:rPr lang="en-US" altLang="ko-KR" sz="1000" dirty="0">
+                <a:latin typeface="Courier New" panose="02070309020205020404" pitchFamily="49" charset="0"/>
+                <a:cs typeface="Courier New" panose="02070309020205020404" pitchFamily="49" charset="0"/>
+              </a:rPr>
+              <a:t>&gt;&gt;&gt; </a:t>
+            </a:r>
+            <a:r>
               <a:rPr lang="en-US" altLang="ko-KR" sz="1000" dirty="0" err="1">
                 <a:latin typeface="Courier New" panose="02070309020205020404" pitchFamily="49" charset="0"/>
                 <a:cs typeface="Courier New" panose="02070309020205020404" pitchFamily="49" charset="0"/>
@@ -3590,6 +3609,13 @@
             </a:r>
           </a:p>
           <a:p>
+            <a:r>
+              <a:rPr lang="en-US" altLang="ko-KR" sz="1000" dirty="0">
+                <a:latin typeface="Courier New" panose="02070309020205020404" pitchFamily="49" charset="0"/>
+                <a:cs typeface="Courier New" panose="02070309020205020404" pitchFamily="49" charset="0"/>
+              </a:rPr>
+              <a:t>&gt;&gt;&gt; </a:t>
+            </a:r>
             <a:r>
               <a:rPr lang="en-US" altLang="ko-KR" sz="1000" dirty="0" err="1">
                 <a:latin typeface="Courier New" panose="02070309020205020404" pitchFamily="49" charset="0"/>
@@ -3624,6 +3650,13 @@
           </a:p>
           <a:p>
             <a:r>
+              <a:rPr lang="en-US" altLang="ko-KR" sz="1000" dirty="0">
+                <a:latin typeface="Courier New" panose="02070309020205020404" pitchFamily="49" charset="0"/>
+                <a:cs typeface="Courier New" panose="02070309020205020404" pitchFamily="49" charset="0"/>
+              </a:rPr>
+              <a:t>&gt;&gt;&gt; </a:t>
+            </a:r>
+            <a:r>
               <a:rPr lang="en-US" altLang="ko-KR" sz="1000" dirty="0" err="1">
                 <a:latin typeface="Courier New" panose="02070309020205020404" pitchFamily="49" charset="0"/>
                 <a:cs typeface="Courier New" panose="02070309020205020404" pitchFamily="49" charset="0"/>
@@ -3724,7 +3757,7 @@
                 <a:latin typeface="Courier New" panose="02070309020205020404" pitchFamily="49" charset="0"/>
                 <a:cs typeface="Courier New" panose="02070309020205020404" pitchFamily="49" charset="0"/>
               </a:rPr>
-              <a:t>i1 = </a:t>
+              <a:t>&gt;&gt;&gt; i1 = </a:t>
             </a:r>
             <a:r>
               <a:rPr lang="en-US" altLang="ko-KR" sz="1000" dirty="0" err="1">
@@ -3827,6 +3860,13 @@
           </a:p>
           <a:p>
             <a:r>
+              <a:rPr lang="en-US" altLang="ko-KR" sz="1000" dirty="0">
+                <a:latin typeface="Courier New" panose="02070309020205020404" pitchFamily="49" charset="0"/>
+                <a:cs typeface="Courier New" panose="02070309020205020404" pitchFamily="49" charset="0"/>
+              </a:rPr>
+              <a:t>&gt;&gt;&gt; </a:t>
+            </a:r>
+            <a:r>
               <a:rPr lang="en-US" altLang="ko-KR" sz="1000" dirty="0" err="1">
                 <a:latin typeface="Courier New" panose="02070309020205020404" pitchFamily="49" charset="0"/>
                 <a:cs typeface="Courier New" panose="02070309020205020404" pitchFamily="49" charset="0"/>
@@ -3894,6 +3934,13 @@
             </a:r>
           </a:p>
           <a:p>
+            <a:r>
+              <a:rPr lang="en-US" altLang="ko-KR" sz="1000" dirty="0">
+                <a:latin typeface="Courier New" panose="02070309020205020404" pitchFamily="49" charset="0"/>
+                <a:cs typeface="Courier New" panose="02070309020205020404" pitchFamily="49" charset="0"/>
+              </a:rPr>
+              <a:t>&gt;&gt;&gt; </a:t>
+            </a:r>
             <a:r>
               <a:rPr lang="en-US" altLang="ko-KR" sz="1000" dirty="0" err="1">
                 <a:latin typeface="Courier New" panose="02070309020205020404" pitchFamily="49" charset="0"/>
@@ -3984,7 +4031,7 @@
                 <a:latin typeface="Courier New" panose="02070309020205020404" pitchFamily="49" charset="0"/>
                 <a:cs typeface="Courier New" panose="02070309020205020404" pitchFamily="49" charset="0"/>
               </a:rPr>
-              <a:t>laygo2.interface.gdspy.export(lib, filename, </a:t>
+              <a:t>&gt;&gt;&gt; laygo2.interface.gdspy.export(lib, filename, </a:t>
             </a:r>
             <a:r>
               <a:rPr lang="en-US" altLang="ko-KR" sz="1000" dirty="0" err="1">
@@ -4031,7 +4078,7 @@
                 <a:latin typeface="Courier New" panose="02070309020205020404" pitchFamily="49" charset="0"/>
                 <a:cs typeface="Courier New" panose="02070309020205020404" pitchFamily="49" charset="0"/>
               </a:rPr>
-              <a:t>laygo2.interface.skill.export(lib, filename, </a:t>
+              <a:t>&gt;&gt;&gt; laygo2.interface.skill.export(lib, filename, </a:t>
             </a:r>
             <a:r>
               <a:rPr lang="en-US" altLang="ko-KR" sz="1000" dirty="0" err="1">
@@ -4068,7 +4115,7 @@
                 <a:latin typeface="Courier New" panose="02070309020205020404" pitchFamily="49" charset="0"/>
                 <a:cs typeface="Courier New" panose="02070309020205020404" pitchFamily="49" charset="0"/>
               </a:rPr>
-              <a:t>laygo2.interface.bag.export(lib, filename, </a:t>
+              <a:t>&gt;&gt;&gt; laygo2.interface.bag.export(lib, filename, </a:t>
             </a:r>
             <a:r>
               <a:rPr lang="en-US" altLang="ko-KR" sz="1000" dirty="0" err="1">
@@ -4105,7 +4152,7 @@
                 <a:latin typeface="Courier New" panose="02070309020205020404" pitchFamily="49" charset="0"/>
                 <a:cs typeface="Courier New" panose="02070309020205020404" pitchFamily="49" charset="0"/>
               </a:rPr>
-              <a:t>laygo2.interface.mpl.export(lib, </a:t>
+              <a:t>&gt;&gt;&gt; laygo2.interface.mpl.export(lib, </a:t>
             </a:r>
             <a:r>
               <a:rPr lang="en-US" altLang="ko-KR" sz="1000" dirty="0" err="1">
@@ -4162,7 +4209,7 @@
                 <a:latin typeface="Courier New" panose="02070309020205020404" pitchFamily="49" charset="0"/>
                 <a:cs typeface="Courier New" panose="02070309020205020404" pitchFamily="49" charset="0"/>
               </a:rPr>
-              <a:t>tmpl1 = </a:t>
+              <a:t>&gt;&gt;&gt; tmpl1 = </a:t>
             </a:r>
             <a:r>
               <a:rPr lang="en-US" altLang="ko-KR" sz="1000" dirty="0" err="1">
@@ -4195,11 +4242,18 @@
           </a:p>
           <a:p>
             <a:r>
-              <a:rPr lang="en-US" altLang="ko-KR" sz="1000" dirty="0">
-                <a:latin typeface="Courier New" panose="02070309020205020404" pitchFamily="49" charset="0"/>
-                <a:cs typeface="Courier New" panose="02070309020205020404" pitchFamily="49" charset="0"/>
-              </a:rPr>
-              <a:t>laygo2.interface.yaml.export(tmpl1, filename, mode=“append”) </a:t>
+              <a:rPr lang="en-US" altLang="ko-KR" sz="1000">
+                <a:latin typeface="Courier New" panose="02070309020205020404" pitchFamily="49" charset="0"/>
+                <a:cs typeface="Courier New" panose="02070309020205020404" pitchFamily="49" charset="0"/>
+              </a:rPr>
+              <a:t>&gt;&gt;&gt; laygo2</a:t>
+            </a:r>
+            <a:r>
+              <a:rPr lang="en-US" altLang="ko-KR" sz="1000" dirty="0">
+                <a:latin typeface="Courier New" panose="02070309020205020404" pitchFamily="49" charset="0"/>
+                <a:cs typeface="Courier New" panose="02070309020205020404" pitchFamily="49" charset="0"/>
+              </a:rPr>
+              <a:t>.interface.yaml.export(tmpl1, filename, mode=“append”) </a:t>
             </a:r>
             <a:r>
               <a:rPr lang="en-US" altLang="ko-KR" sz="1000" dirty="0">

--- a/docs_workspace/docs_sphinx/assets/misc/laygo2_cheatsheet.pptx
+++ b/docs_workspace/docs_sphinx/assets/misc/laygo2_cheatsheet.pptx
@@ -251,7 +251,7 @@
           <a:p>
             <a:fld id="{6A47FB86-A802-4FA4-9B5F-625163A45DA5}" type="datetimeFigureOut">
               <a:rPr lang="ko-KR" altLang="en-US" smtClean="0"/>
-              <a:t>2023-02-05</a:t>
+              <a:t>2023-02-09</a:t>
             </a:fld>
             <a:endParaRPr lang="ko-KR" altLang="en-US"/>
           </a:p>
@@ -421,7 +421,7 @@
           <a:p>
             <a:fld id="{6A47FB86-A802-4FA4-9B5F-625163A45DA5}" type="datetimeFigureOut">
               <a:rPr lang="ko-KR" altLang="en-US" smtClean="0"/>
-              <a:t>2023-02-05</a:t>
+              <a:t>2023-02-09</a:t>
             </a:fld>
             <a:endParaRPr lang="ko-KR" altLang="en-US"/>
           </a:p>
@@ -601,7 +601,7 @@
           <a:p>
             <a:fld id="{6A47FB86-A802-4FA4-9B5F-625163A45DA5}" type="datetimeFigureOut">
               <a:rPr lang="ko-KR" altLang="en-US" smtClean="0"/>
-              <a:t>2023-02-05</a:t>
+              <a:t>2023-02-09</a:t>
             </a:fld>
             <a:endParaRPr lang="ko-KR" altLang="en-US"/>
           </a:p>
@@ -771,7 +771,7 @@
           <a:p>
             <a:fld id="{6A47FB86-A802-4FA4-9B5F-625163A45DA5}" type="datetimeFigureOut">
               <a:rPr lang="ko-KR" altLang="en-US" smtClean="0"/>
-              <a:t>2023-02-05</a:t>
+              <a:t>2023-02-09</a:t>
             </a:fld>
             <a:endParaRPr lang="ko-KR" altLang="en-US"/>
           </a:p>
@@ -1015,7 +1015,7 @@
           <a:p>
             <a:fld id="{6A47FB86-A802-4FA4-9B5F-625163A45DA5}" type="datetimeFigureOut">
               <a:rPr lang="ko-KR" altLang="en-US" smtClean="0"/>
-              <a:t>2023-02-05</a:t>
+              <a:t>2023-02-09</a:t>
             </a:fld>
             <a:endParaRPr lang="ko-KR" altLang="en-US"/>
           </a:p>
@@ -1247,7 +1247,7 @@
           <a:p>
             <a:fld id="{6A47FB86-A802-4FA4-9B5F-625163A45DA5}" type="datetimeFigureOut">
               <a:rPr lang="ko-KR" altLang="en-US" smtClean="0"/>
-              <a:t>2023-02-05</a:t>
+              <a:t>2023-02-09</a:t>
             </a:fld>
             <a:endParaRPr lang="ko-KR" altLang="en-US"/>
           </a:p>
@@ -1614,7 +1614,7 @@
           <a:p>
             <a:fld id="{6A47FB86-A802-4FA4-9B5F-625163A45DA5}" type="datetimeFigureOut">
               <a:rPr lang="ko-KR" altLang="en-US" smtClean="0"/>
-              <a:t>2023-02-05</a:t>
+              <a:t>2023-02-09</a:t>
             </a:fld>
             <a:endParaRPr lang="ko-KR" altLang="en-US"/>
           </a:p>
@@ -1732,7 +1732,7 @@
           <a:p>
             <a:fld id="{6A47FB86-A802-4FA4-9B5F-625163A45DA5}" type="datetimeFigureOut">
               <a:rPr lang="ko-KR" altLang="en-US" smtClean="0"/>
-              <a:t>2023-02-05</a:t>
+              <a:t>2023-02-09</a:t>
             </a:fld>
             <a:endParaRPr lang="ko-KR" altLang="en-US"/>
           </a:p>
@@ -1827,7 +1827,7 @@
           <a:p>
             <a:fld id="{6A47FB86-A802-4FA4-9B5F-625163A45DA5}" type="datetimeFigureOut">
               <a:rPr lang="ko-KR" altLang="en-US" smtClean="0"/>
-              <a:t>2023-02-05</a:t>
+              <a:t>2023-02-09</a:t>
             </a:fld>
             <a:endParaRPr lang="ko-KR" altLang="en-US"/>
           </a:p>
@@ -2104,7 +2104,7 @@
           <a:p>
             <a:fld id="{6A47FB86-A802-4FA4-9B5F-625163A45DA5}" type="datetimeFigureOut">
               <a:rPr lang="ko-KR" altLang="en-US" smtClean="0"/>
-              <a:t>2023-02-05</a:t>
+              <a:t>2023-02-09</a:t>
             </a:fld>
             <a:endParaRPr lang="ko-KR" altLang="en-US"/>
           </a:p>
@@ -2361,7 +2361,7 @@
           <a:p>
             <a:fld id="{6A47FB86-A802-4FA4-9B5F-625163A45DA5}" type="datetimeFigureOut">
               <a:rPr lang="ko-KR" altLang="en-US" smtClean="0"/>
-              <a:t>2023-02-05</a:t>
+              <a:t>2023-02-09</a:t>
             </a:fld>
             <a:endParaRPr lang="ko-KR" altLang="en-US"/>
           </a:p>
@@ -2574,7 +2574,7 @@
           <a:p>
             <a:fld id="{6A47FB86-A802-4FA4-9B5F-625163A45DA5}" type="datetimeFigureOut">
               <a:rPr lang="ko-KR" altLang="en-US" smtClean="0"/>
-              <a:t>2023-02-05</a:t>
+              <a:t>2023-02-09</a:t>
             </a:fld>
             <a:endParaRPr lang="ko-KR" altLang="en-US"/>
           </a:p>
@@ -3186,6 +3186,29 @@
             </a:r>
           </a:p>
           <a:p>
+            <a:r>
+              <a:rPr lang="en-US" altLang="ko-KR" sz="1000" dirty="0">
+                <a:latin typeface="Courier New" panose="02070309020205020404" pitchFamily="49" charset="0"/>
+                <a:cs typeface="Courier New" panose="02070309020205020404" pitchFamily="49" charset="0"/>
+              </a:rPr>
+              <a:t>&gt;&gt;&gt; </a:t>
+            </a:r>
+            <a:r>
+              <a:rPr lang="en-US" altLang="ko-KR" sz="1000" dirty="0" err="1">
+                <a:latin typeface="Courier New" panose="02070309020205020404" pitchFamily="49" charset="0"/>
+                <a:cs typeface="Courier New" panose="02070309020205020404" pitchFamily="49" charset="0"/>
+              </a:rPr>
+              <a:t>l.append</a:t>
+            </a:r>
+            <a:r>
+              <a:rPr lang="en-US" altLang="ko-KR" sz="1000" dirty="0">
+                <a:latin typeface="Courier New" panose="02070309020205020404" pitchFamily="49" charset="0"/>
+                <a:cs typeface="Courier New" panose="02070309020205020404" pitchFamily="49" charset="0"/>
+              </a:rPr>
+              <a:t>(d)</a:t>
+            </a:r>
+          </a:p>
+          <a:p>
             <a:endParaRPr lang="en-US" altLang="ko-KR" sz="1000" b="1" dirty="0">
               <a:latin typeface="Calibri" panose="020F0502020204030204" pitchFamily="34" charset="0"/>
               <a:ea typeface="Calibri" panose="020F0502020204030204" pitchFamily="34" charset="0"/>
@@ -4242,18 +4265,11 @@
           </a:p>
           <a:p>
             <a:r>
-              <a:rPr lang="en-US" altLang="ko-KR" sz="1000">
-                <a:latin typeface="Courier New" panose="02070309020205020404" pitchFamily="49" charset="0"/>
-                <a:cs typeface="Courier New" panose="02070309020205020404" pitchFamily="49" charset="0"/>
-              </a:rPr>
-              <a:t>&gt;&gt;&gt; laygo2</a:t>
-            </a:r>
-            <a:r>
-              <a:rPr lang="en-US" altLang="ko-KR" sz="1000" dirty="0">
-                <a:latin typeface="Courier New" panose="02070309020205020404" pitchFamily="49" charset="0"/>
-                <a:cs typeface="Courier New" panose="02070309020205020404" pitchFamily="49" charset="0"/>
-              </a:rPr>
-              <a:t>.interface.yaml.export(tmpl1, filename, mode=“append”) </a:t>
+              <a:rPr lang="en-US" altLang="ko-KR" sz="1000" dirty="0">
+                <a:latin typeface="Courier New" panose="02070309020205020404" pitchFamily="49" charset="0"/>
+                <a:cs typeface="Courier New" panose="02070309020205020404" pitchFamily="49" charset="0"/>
+              </a:rPr>
+              <a:t>&gt;&gt;&gt; laygo2.interface.yaml.export(tmpl1, filename, mode=“append”) </a:t>
             </a:r>
             <a:r>
               <a:rPr lang="en-US" altLang="ko-KR" sz="1000" dirty="0">

--- a/docs_workspace/docs_sphinx/assets/misc/laygo2_cheatsheet.pptx
+++ b/docs_workspace/docs_sphinx/assets/misc/laygo2_cheatsheet.pptx
@@ -251,7 +251,7 @@
           <a:p>
             <a:fld id="{6A47FB86-A802-4FA4-9B5F-625163A45DA5}" type="datetimeFigureOut">
               <a:rPr lang="ko-KR" altLang="en-US" smtClean="0"/>
-              <a:t>2023-02-09</a:t>
+              <a:t>2024-10-09</a:t>
             </a:fld>
             <a:endParaRPr lang="ko-KR" altLang="en-US"/>
           </a:p>
@@ -421,7 +421,7 @@
           <a:p>
             <a:fld id="{6A47FB86-A802-4FA4-9B5F-625163A45DA5}" type="datetimeFigureOut">
               <a:rPr lang="ko-KR" altLang="en-US" smtClean="0"/>
-              <a:t>2023-02-09</a:t>
+              <a:t>2024-10-09</a:t>
             </a:fld>
             <a:endParaRPr lang="ko-KR" altLang="en-US"/>
           </a:p>
@@ -601,7 +601,7 @@
           <a:p>
             <a:fld id="{6A47FB86-A802-4FA4-9B5F-625163A45DA5}" type="datetimeFigureOut">
               <a:rPr lang="ko-KR" altLang="en-US" smtClean="0"/>
-              <a:t>2023-02-09</a:t>
+              <a:t>2024-10-09</a:t>
             </a:fld>
             <a:endParaRPr lang="ko-KR" altLang="en-US"/>
           </a:p>
@@ -771,7 +771,7 @@
           <a:p>
             <a:fld id="{6A47FB86-A802-4FA4-9B5F-625163A45DA5}" type="datetimeFigureOut">
               <a:rPr lang="ko-KR" altLang="en-US" smtClean="0"/>
-              <a:t>2023-02-09</a:t>
+              <a:t>2024-10-09</a:t>
             </a:fld>
             <a:endParaRPr lang="ko-KR" altLang="en-US"/>
           </a:p>
@@ -1015,7 +1015,7 @@
           <a:p>
             <a:fld id="{6A47FB86-A802-4FA4-9B5F-625163A45DA5}" type="datetimeFigureOut">
               <a:rPr lang="ko-KR" altLang="en-US" smtClean="0"/>
-              <a:t>2023-02-09</a:t>
+              <a:t>2024-10-09</a:t>
             </a:fld>
             <a:endParaRPr lang="ko-KR" altLang="en-US"/>
           </a:p>
@@ -1247,7 +1247,7 @@
           <a:p>
             <a:fld id="{6A47FB86-A802-4FA4-9B5F-625163A45DA5}" type="datetimeFigureOut">
               <a:rPr lang="ko-KR" altLang="en-US" smtClean="0"/>
-              <a:t>2023-02-09</a:t>
+              <a:t>2024-10-09</a:t>
             </a:fld>
             <a:endParaRPr lang="ko-KR" altLang="en-US"/>
           </a:p>
@@ -1614,7 +1614,7 @@
           <a:p>
             <a:fld id="{6A47FB86-A802-4FA4-9B5F-625163A45DA5}" type="datetimeFigureOut">
               <a:rPr lang="ko-KR" altLang="en-US" smtClean="0"/>
-              <a:t>2023-02-09</a:t>
+              <a:t>2024-10-09</a:t>
             </a:fld>
             <a:endParaRPr lang="ko-KR" altLang="en-US"/>
           </a:p>
@@ -1732,7 +1732,7 @@
           <a:p>
             <a:fld id="{6A47FB86-A802-4FA4-9B5F-625163A45DA5}" type="datetimeFigureOut">
               <a:rPr lang="ko-KR" altLang="en-US" smtClean="0"/>
-              <a:t>2023-02-09</a:t>
+              <a:t>2024-10-09</a:t>
             </a:fld>
             <a:endParaRPr lang="ko-KR" altLang="en-US"/>
           </a:p>
@@ -1827,7 +1827,7 @@
           <a:p>
             <a:fld id="{6A47FB86-A802-4FA4-9B5F-625163A45DA5}" type="datetimeFigureOut">
               <a:rPr lang="ko-KR" altLang="en-US" smtClean="0"/>
-              <a:t>2023-02-09</a:t>
+              <a:t>2024-10-09</a:t>
             </a:fld>
             <a:endParaRPr lang="ko-KR" altLang="en-US"/>
           </a:p>
@@ -2104,7 +2104,7 @@
           <a:p>
             <a:fld id="{6A47FB86-A802-4FA4-9B5F-625163A45DA5}" type="datetimeFigureOut">
               <a:rPr lang="ko-KR" altLang="en-US" smtClean="0"/>
-              <a:t>2023-02-09</a:t>
+              <a:t>2024-10-09</a:t>
             </a:fld>
             <a:endParaRPr lang="ko-KR" altLang="en-US"/>
           </a:p>
@@ -2361,7 +2361,7 @@
           <a:p>
             <a:fld id="{6A47FB86-A802-4FA4-9B5F-625163A45DA5}" type="datetimeFigureOut">
               <a:rPr lang="ko-KR" altLang="en-US" smtClean="0"/>
-              <a:t>2023-02-09</a:t>
+              <a:t>2024-10-09</a:t>
             </a:fld>
             <a:endParaRPr lang="ko-KR" altLang="en-US"/>
           </a:p>
@@ -2574,7 +2574,7 @@
           <a:p>
             <a:fld id="{6A47FB86-A802-4FA4-9B5F-625163A45DA5}" type="datetimeFigureOut">
               <a:rPr lang="ko-KR" altLang="en-US" smtClean="0"/>
-              <a:t>2023-02-09</a:t>
+              <a:t>2024-10-09</a:t>
             </a:fld>
             <a:endParaRPr lang="ko-KR" altLang="en-US"/>
           </a:p>
@@ -2994,7 +2994,7 @@
         <p:spPr>
           <a:xfrm>
             <a:off x="0" y="0"/>
-            <a:ext cx="6858000" cy="7417415"/>
+            <a:ext cx="6858000" cy="7571303"/>
           </a:xfrm>
           <a:prstGeom prst="rect">
             <a:avLst/>
@@ -3038,7 +3038,7 @@
                 <a:ea typeface="Calibri" panose="020F0502020204030204" pitchFamily="34" charset="0"/>
                 <a:cs typeface="Calibri" panose="020F0502020204030204" pitchFamily="34" charset="0"/>
               </a:rPr>
-              <a:t> 0.1</a:t>
+              <a:t> 0.2</a:t>
             </a:r>
           </a:p>
           <a:p>
@@ -3839,11 +3839,25 @@
               <a:t>=</a:t>
             </a:r>
             <a:r>
-              <a:rPr lang="en-US" altLang="ko-KR" sz="1000" dirty="0" err="1">
-                <a:latin typeface="Courier New" panose="02070309020205020404" pitchFamily="49" charset="0"/>
-                <a:cs typeface="Courier New" panose="02070309020205020404" pitchFamily="49" charset="0"/>
-              </a:rPr>
-              <a:t>pg.mn.top_left</a:t>
+              <a:rPr lang="en-US" altLang="ko-KR" sz="1000" err="1">
+                <a:latin typeface="Courier New" panose="02070309020205020404" pitchFamily="49" charset="0"/>
+                <a:cs typeface="Courier New" panose="02070309020205020404" pitchFamily="49" charset="0"/>
+              </a:rPr>
+              <a:t>pg</a:t>
+            </a:r>
+            <a:r>
+              <a:rPr lang="en-US" altLang="ko-KR" sz="1000">
+                <a:latin typeface="Courier New" panose="02070309020205020404" pitchFamily="49" charset="0"/>
+                <a:cs typeface="Courier New" panose="02070309020205020404" pitchFamily="49" charset="0"/>
+              </a:rPr>
+              <a:t>.top</a:t>
+            </a:r>
+            <a:r>
+              <a:rPr lang="en-US" altLang="ko-KR" sz="1000" dirty="0" err="1">
+                <a:latin typeface="Courier New" panose="02070309020205020404" pitchFamily="49" charset="0"/>
+                <a:cs typeface="Courier New" panose="02070309020205020404" pitchFamily="49" charset="0"/>
+              </a:rPr>
+              <a:t>_left</a:t>
             </a:r>
             <a:r>
               <a:rPr lang="en-US" altLang="ko-KR" sz="1000" dirty="0">
@@ -3929,7 +3943,21 @@
                 <a:latin typeface="Courier New" panose="02070309020205020404" pitchFamily="49" charset="0"/>
                 <a:cs typeface="Courier New" panose="02070309020205020404" pitchFamily="49" charset="0"/>
               </a:rPr>
-              <a:t>=[[0, 1], rg.mn(</a:t>
+              <a:t>=[[0, 1], </a:t>
+            </a:r>
+            <a:r>
+              <a:rPr lang="en-US" altLang="ko-KR" sz="1000" dirty="0" err="1">
+                <a:latin typeface="Courier New" panose="02070309020205020404" pitchFamily="49" charset="0"/>
+                <a:cs typeface="Courier New" panose="02070309020205020404" pitchFamily="49" charset="0"/>
+              </a:rPr>
+              <a:t>rg</a:t>
+            </a:r>
+            <a:r>
+              <a:rPr lang="en-US" altLang="ko-KR" sz="1000" dirty="0">
+                <a:latin typeface="Courier New" panose="02070309020205020404" pitchFamily="49" charset="0"/>
+                <a:cs typeface="Courier New" panose="02070309020205020404" pitchFamily="49" charset="0"/>
+              </a:rPr>
+              <a:t>(</a:t>
             </a:r>
             <a:r>
               <a:rPr lang="en-US" altLang="ko-KR" sz="1000" dirty="0" err="1">
@@ -4004,7 +4032,21 @@
                 <a:latin typeface="Courier New" panose="02070309020205020404" pitchFamily="49" charset="0"/>
                 <a:cs typeface="Courier New" panose="02070309020205020404" pitchFamily="49" charset="0"/>
               </a:rPr>
-              <a:t>=rg.mn(</a:t>
+              <a:t>=</a:t>
+            </a:r>
+            <a:r>
+              <a:rPr lang="en-US" altLang="ko-KR" sz="1000" dirty="0" err="1">
+                <a:latin typeface="Courier New" panose="02070309020205020404" pitchFamily="49" charset="0"/>
+                <a:cs typeface="Courier New" panose="02070309020205020404" pitchFamily="49" charset="0"/>
+              </a:rPr>
+              <a:t>rg</a:t>
+            </a:r>
+            <a:r>
+              <a:rPr lang="en-US" altLang="ko-KR" sz="1000" dirty="0">
+                <a:latin typeface="Courier New" panose="02070309020205020404" pitchFamily="49" charset="0"/>
+                <a:cs typeface="Courier New" panose="02070309020205020404" pitchFamily="49" charset="0"/>
+              </a:rPr>
+              <a:t>(</a:t>
             </a:r>
             <a:r>
               <a:rPr lang="en-US" altLang="ko-KR" sz="1000" dirty="0" err="1">
@@ -4189,8 +4231,14 @@
                 <a:latin typeface="Courier New" panose="02070309020205020404" pitchFamily="49" charset="0"/>
                 <a:cs typeface="Courier New" panose="02070309020205020404" pitchFamily="49" charset="0"/>
               </a:rPr>
-              <a:t>, colormap, order, filename) </a:t>
-            </a:r>
+              <a:t>, colormap, order, filename, show=True) </a:t>
+            </a:r>
+            <a:br>
+              <a:rPr lang="en-US" altLang="ko-KR" sz="1000" dirty="0">
+                <a:latin typeface="Courier New" panose="02070309020205020404" pitchFamily="49" charset="0"/>
+                <a:cs typeface="Courier New" panose="02070309020205020404" pitchFamily="49" charset="0"/>
+              </a:rPr>
+            </a:br>
             <a:r>
               <a:rPr lang="en-US" altLang="ko-KR" sz="1000" dirty="0">
                 <a:solidFill>
